--- a/assets/ppt/ServerSetting.pptx
+++ b/assets/ppt/ServerSetting.pptx
@@ -7,6 +7,8 @@
   <p:sldIdLst>
     <p:sldId id="256" r:id="rId2"/>
     <p:sldId id="257" r:id="rId3"/>
+    <p:sldId id="258" r:id="rId4"/>
+    <p:sldId id="259" r:id="rId5"/>
   </p:sldIdLst>
   <p:sldSz cx="12192000" cy="6858000"/>
   <p:notesSz cx="6858000" cy="9144000"/>
@@ -271,7 +273,7 @@
           <a:p>
             <a:fld id="{3641E70F-77C7-4F01-A7A9-C6193D54D307}" type="datetimeFigureOut">
               <a:rPr lang="ko-KR" altLang="en-US" smtClean="0"/>
-              <a:t>2019-05-14</a:t>
+              <a:t>2019-05-19</a:t>
             </a:fld>
             <a:endParaRPr lang="ko-KR" altLang="en-US"/>
           </a:p>
@@ -469,7 +471,7 @@
           <a:p>
             <a:fld id="{3641E70F-77C7-4F01-A7A9-C6193D54D307}" type="datetimeFigureOut">
               <a:rPr lang="ko-KR" altLang="en-US" smtClean="0"/>
-              <a:t>2019-05-14</a:t>
+              <a:t>2019-05-19</a:t>
             </a:fld>
             <a:endParaRPr lang="ko-KR" altLang="en-US"/>
           </a:p>
@@ -677,7 +679,7 @@
           <a:p>
             <a:fld id="{3641E70F-77C7-4F01-A7A9-C6193D54D307}" type="datetimeFigureOut">
               <a:rPr lang="ko-KR" altLang="en-US" smtClean="0"/>
-              <a:t>2019-05-14</a:t>
+              <a:t>2019-05-19</a:t>
             </a:fld>
             <a:endParaRPr lang="ko-KR" altLang="en-US"/>
           </a:p>
@@ -875,7 +877,7 @@
           <a:p>
             <a:fld id="{3641E70F-77C7-4F01-A7A9-C6193D54D307}" type="datetimeFigureOut">
               <a:rPr lang="ko-KR" altLang="en-US" smtClean="0"/>
-              <a:t>2019-05-14</a:t>
+              <a:t>2019-05-19</a:t>
             </a:fld>
             <a:endParaRPr lang="ko-KR" altLang="en-US"/>
           </a:p>
@@ -1150,7 +1152,7 @@
           <a:p>
             <a:fld id="{3641E70F-77C7-4F01-A7A9-C6193D54D307}" type="datetimeFigureOut">
               <a:rPr lang="ko-KR" altLang="en-US" smtClean="0"/>
-              <a:t>2019-05-14</a:t>
+              <a:t>2019-05-19</a:t>
             </a:fld>
             <a:endParaRPr lang="ko-KR" altLang="en-US"/>
           </a:p>
@@ -1415,7 +1417,7 @@
           <a:p>
             <a:fld id="{3641E70F-77C7-4F01-A7A9-C6193D54D307}" type="datetimeFigureOut">
               <a:rPr lang="ko-KR" altLang="en-US" smtClean="0"/>
-              <a:t>2019-05-14</a:t>
+              <a:t>2019-05-19</a:t>
             </a:fld>
             <a:endParaRPr lang="ko-KR" altLang="en-US"/>
           </a:p>
@@ -1827,7 +1829,7 @@
           <a:p>
             <a:fld id="{3641E70F-77C7-4F01-A7A9-C6193D54D307}" type="datetimeFigureOut">
               <a:rPr lang="ko-KR" altLang="en-US" smtClean="0"/>
-              <a:t>2019-05-14</a:t>
+              <a:t>2019-05-19</a:t>
             </a:fld>
             <a:endParaRPr lang="ko-KR" altLang="en-US"/>
           </a:p>
@@ -1968,7 +1970,7 @@
           <a:p>
             <a:fld id="{3641E70F-77C7-4F01-A7A9-C6193D54D307}" type="datetimeFigureOut">
               <a:rPr lang="ko-KR" altLang="en-US" smtClean="0"/>
-              <a:t>2019-05-14</a:t>
+              <a:t>2019-05-19</a:t>
             </a:fld>
             <a:endParaRPr lang="ko-KR" altLang="en-US"/>
           </a:p>
@@ -2081,7 +2083,7 @@
           <a:p>
             <a:fld id="{3641E70F-77C7-4F01-A7A9-C6193D54D307}" type="datetimeFigureOut">
               <a:rPr lang="ko-KR" altLang="en-US" smtClean="0"/>
-              <a:t>2019-05-14</a:t>
+              <a:t>2019-05-19</a:t>
             </a:fld>
             <a:endParaRPr lang="ko-KR" altLang="en-US"/>
           </a:p>
@@ -2392,7 +2394,7 @@
           <a:p>
             <a:fld id="{3641E70F-77C7-4F01-A7A9-C6193D54D307}" type="datetimeFigureOut">
               <a:rPr lang="ko-KR" altLang="en-US" smtClean="0"/>
-              <a:t>2019-05-14</a:t>
+              <a:t>2019-05-19</a:t>
             </a:fld>
             <a:endParaRPr lang="ko-KR" altLang="en-US"/>
           </a:p>
@@ -2680,7 +2682,7 @@
           <a:p>
             <a:fld id="{3641E70F-77C7-4F01-A7A9-C6193D54D307}" type="datetimeFigureOut">
               <a:rPr lang="ko-KR" altLang="en-US" smtClean="0"/>
-              <a:t>2019-05-14</a:t>
+              <a:t>2019-05-19</a:t>
             </a:fld>
             <a:endParaRPr lang="ko-KR" altLang="en-US"/>
           </a:p>
@@ -2921,7 +2923,7 @@
           <a:p>
             <a:fld id="{3641E70F-77C7-4F01-A7A9-C6193D54D307}" type="datetimeFigureOut">
               <a:rPr lang="ko-KR" altLang="en-US" smtClean="0"/>
-              <a:t>2019-05-14</a:t>
+              <a:t>2019-05-19</a:t>
             </a:fld>
             <a:endParaRPr lang="ko-KR" altLang="en-US"/>
           </a:p>
@@ -4179,6 +4181,2377 @@
 </p:sld>
 </file>
 
+<file path=ppt/slides/slide3.xml><?xml version="1.0" encoding="utf-8"?>
+<p:sld xmlns:a="http://schemas.openxmlformats.org/drawingml/2006/main" xmlns:r="http://schemas.openxmlformats.org/officeDocument/2006/relationships" xmlns:p="http://schemas.openxmlformats.org/presentationml/2006/main">
+  <p:cSld>
+    <p:spTree>
+      <p:nvGrpSpPr>
+        <p:cNvPr id="1" name=""/>
+        <p:cNvGrpSpPr/>
+        <p:nvPr/>
+      </p:nvGrpSpPr>
+      <p:grpSpPr>
+        <a:xfrm>
+          <a:off x="0" y="0"/>
+          <a:ext cx="0" cy="0"/>
+          <a:chOff x="0" y="0"/>
+          <a:chExt cx="0" cy="0"/>
+        </a:xfrm>
+      </p:grpSpPr>
+      <p:grpSp>
+        <p:nvGrpSpPr>
+          <p:cNvPr id="24" name="그룹 23">
+            <a:extLst>
+              <a:ext uri="{FF2B5EF4-FFF2-40B4-BE49-F238E27FC236}">
+                <a16:creationId xmlns:a16="http://schemas.microsoft.com/office/drawing/2014/main" id="{3B7D269B-CCCD-41A8-9840-0276FEA1FEC7}"/>
+              </a:ext>
+            </a:extLst>
+          </p:cNvPr>
+          <p:cNvGrpSpPr/>
+          <p:nvPr/>
+        </p:nvGrpSpPr>
+        <p:grpSpPr>
+          <a:xfrm>
+            <a:off x="954654" y="802266"/>
+            <a:ext cx="5957982" cy="2838071"/>
+            <a:chOff x="954654" y="802266"/>
+            <a:chExt cx="5957982" cy="2838071"/>
+          </a:xfrm>
+        </p:grpSpPr>
+        <p:sp>
+          <p:nvSpPr>
+            <p:cNvPr id="16" name="직사각형 15">
+              <a:extLst>
+                <a:ext uri="{FF2B5EF4-FFF2-40B4-BE49-F238E27FC236}">
+                  <a16:creationId xmlns:a16="http://schemas.microsoft.com/office/drawing/2014/main" id="{93B03F87-E5DC-44BC-96AC-6366B1E626D5}"/>
+                </a:ext>
+              </a:extLst>
+            </p:cNvPr>
+            <p:cNvSpPr/>
+            <p:nvPr/>
+          </p:nvSpPr>
+          <p:spPr>
+            <a:xfrm>
+              <a:off x="3709358" y="802266"/>
+              <a:ext cx="1708031" cy="2838071"/>
+            </a:xfrm>
+            <a:prstGeom prst="rect">
+              <a:avLst/>
+            </a:prstGeom>
+            <a:solidFill>
+              <a:schemeClr val="bg2">
+                <a:lumMod val="90000"/>
+              </a:schemeClr>
+            </a:solidFill>
+            <a:ln>
+              <a:solidFill>
+                <a:schemeClr val="tx1"/>
+              </a:solidFill>
+            </a:ln>
+          </p:spPr>
+          <p:style>
+            <a:lnRef idx="2">
+              <a:schemeClr val="accent1">
+                <a:shade val="50000"/>
+              </a:schemeClr>
+            </a:lnRef>
+            <a:fillRef idx="1">
+              <a:schemeClr val="accent1"/>
+            </a:fillRef>
+            <a:effectRef idx="0">
+              <a:schemeClr val="accent1"/>
+            </a:effectRef>
+            <a:fontRef idx="minor">
+              <a:schemeClr val="lt1"/>
+            </a:fontRef>
+          </p:style>
+          <p:txBody>
+            <a:bodyPr rtlCol="0" anchor="ctr"/>
+            <a:lstStyle/>
+            <a:p>
+              <a:pPr algn="ctr"/>
+              <a:endParaRPr lang="ko-KR" altLang="en-US"/>
+            </a:p>
+          </p:txBody>
+        </p:sp>
+        <p:sp>
+          <p:nvSpPr>
+            <p:cNvPr id="7" name="사각형: 둥근 모서리 6">
+              <a:extLst>
+                <a:ext uri="{FF2B5EF4-FFF2-40B4-BE49-F238E27FC236}">
+                  <a16:creationId xmlns:a16="http://schemas.microsoft.com/office/drawing/2014/main" id="{CCD45141-8BBD-48B9-85BE-0A54EF340B96}"/>
+                </a:ext>
+              </a:extLst>
+            </p:cNvPr>
+            <p:cNvSpPr/>
+            <p:nvPr/>
+          </p:nvSpPr>
+          <p:spPr>
+            <a:xfrm>
+              <a:off x="3778370" y="1052432"/>
+              <a:ext cx="1526875" cy="1043796"/>
+            </a:xfrm>
+            <a:prstGeom prst="roundRect">
+              <a:avLst/>
+            </a:prstGeom>
+            <a:solidFill>
+              <a:schemeClr val="bg1">
+                <a:lumMod val="65000"/>
+              </a:schemeClr>
+            </a:solidFill>
+            <a:ln>
+              <a:solidFill>
+                <a:schemeClr val="tx1"/>
+              </a:solidFill>
+            </a:ln>
+          </p:spPr>
+          <p:style>
+            <a:lnRef idx="2">
+              <a:schemeClr val="accent1">
+                <a:shade val="50000"/>
+              </a:schemeClr>
+            </a:lnRef>
+            <a:fillRef idx="1">
+              <a:schemeClr val="accent1"/>
+            </a:fillRef>
+            <a:effectRef idx="0">
+              <a:schemeClr val="accent1"/>
+            </a:effectRef>
+            <a:fontRef idx="minor">
+              <a:schemeClr val="lt1"/>
+            </a:fontRef>
+          </p:style>
+          <p:txBody>
+            <a:bodyPr rtlCol="0" anchor="ctr"/>
+            <a:lstStyle/>
+            <a:p>
+              <a:pPr algn="ctr"/>
+              <a:r>
+                <a:rPr lang="en-US" altLang="ko-KR" sz="1200" b="1" dirty="0">
+                  <a:solidFill>
+                    <a:schemeClr val="tx1"/>
+                  </a:solidFill>
+                </a:rPr>
+                <a:t>Server</a:t>
+              </a:r>
+              <a:endParaRPr lang="en-US" altLang="ko-KR" sz="1100" dirty="0"/>
+            </a:p>
+            <a:p>
+              <a:pPr algn="ctr"/>
+              <a:endParaRPr lang="en-US" altLang="ko-KR" sz="1100" dirty="0"/>
+            </a:p>
+            <a:p>
+              <a:pPr algn="ctr"/>
+              <a:endParaRPr lang="en-US" altLang="ko-KR" sz="1100" dirty="0"/>
+            </a:p>
+            <a:p>
+              <a:pPr algn="ctr"/>
+              <a:endParaRPr lang="en-US" altLang="ko-KR" sz="1100" dirty="0"/>
+            </a:p>
+            <a:p>
+              <a:pPr algn="ctr"/>
+              <a:endParaRPr lang="en-US" altLang="ko-KR" sz="1100" dirty="0"/>
+            </a:p>
+            <a:p>
+              <a:pPr algn="ctr"/>
+              <a:endParaRPr lang="en-US" altLang="ko-KR" sz="1100" dirty="0"/>
+            </a:p>
+          </p:txBody>
+        </p:sp>
+        <p:sp>
+          <p:nvSpPr>
+            <p:cNvPr id="4" name="사각형: 둥근 모서리 3">
+              <a:extLst>
+                <a:ext uri="{FF2B5EF4-FFF2-40B4-BE49-F238E27FC236}">
+                  <a16:creationId xmlns:a16="http://schemas.microsoft.com/office/drawing/2014/main" id="{FF2D129B-8F37-495B-84CF-FB00EA34A2ED}"/>
+                </a:ext>
+              </a:extLst>
+            </p:cNvPr>
+            <p:cNvSpPr/>
+            <p:nvPr/>
+          </p:nvSpPr>
+          <p:spPr>
+            <a:xfrm>
+              <a:off x="4050101" y="1324164"/>
+              <a:ext cx="983412" cy="500332"/>
+            </a:xfrm>
+            <a:prstGeom prst="roundRect">
+              <a:avLst/>
+            </a:prstGeom>
+            <a:noFill/>
+            <a:ln>
+              <a:solidFill>
+                <a:schemeClr val="tx1"/>
+              </a:solidFill>
+            </a:ln>
+          </p:spPr>
+          <p:style>
+            <a:lnRef idx="2">
+              <a:schemeClr val="accent1">
+                <a:shade val="50000"/>
+              </a:schemeClr>
+            </a:lnRef>
+            <a:fillRef idx="1">
+              <a:schemeClr val="accent1"/>
+            </a:fillRef>
+            <a:effectRef idx="0">
+              <a:schemeClr val="accent1"/>
+            </a:effectRef>
+            <a:fontRef idx="minor">
+              <a:schemeClr val="lt1"/>
+            </a:fontRef>
+          </p:style>
+          <p:txBody>
+            <a:bodyPr rtlCol="0" anchor="ctr"/>
+            <a:lstStyle/>
+            <a:p>
+              <a:pPr algn="ctr"/>
+              <a:r>
+                <a:rPr lang="en-US" altLang="ko-KR" sz="1100" dirty="0">
+                  <a:solidFill>
+                    <a:schemeClr val="tx1"/>
+                  </a:solidFill>
+                </a:rPr>
+                <a:t>Application</a:t>
+              </a:r>
+              <a:endParaRPr lang="ko-KR" altLang="en-US" sz="1100" dirty="0">
+                <a:solidFill>
+                  <a:schemeClr val="tx1"/>
+                </a:solidFill>
+              </a:endParaRPr>
+            </a:p>
+          </p:txBody>
+        </p:sp>
+        <p:sp>
+          <p:nvSpPr>
+            <p:cNvPr id="5" name="사각형: 둥근 모서리 4">
+              <a:extLst>
+                <a:ext uri="{FF2B5EF4-FFF2-40B4-BE49-F238E27FC236}">
+                  <a16:creationId xmlns:a16="http://schemas.microsoft.com/office/drawing/2014/main" id="{67CB3C99-5216-4EB2-9A30-FA4EAB4A0733}"/>
+                </a:ext>
+              </a:extLst>
+            </p:cNvPr>
+            <p:cNvSpPr/>
+            <p:nvPr/>
+          </p:nvSpPr>
+          <p:spPr>
+            <a:xfrm>
+              <a:off x="2309002" y="1971136"/>
+              <a:ext cx="888521" cy="500332"/>
+            </a:xfrm>
+            <a:prstGeom prst="roundRect">
+              <a:avLst/>
+            </a:prstGeom>
+            <a:noFill/>
+            <a:ln>
+              <a:solidFill>
+                <a:schemeClr val="tx1"/>
+              </a:solidFill>
+            </a:ln>
+          </p:spPr>
+          <p:style>
+            <a:lnRef idx="2">
+              <a:schemeClr val="accent1">
+                <a:shade val="50000"/>
+              </a:schemeClr>
+            </a:lnRef>
+            <a:fillRef idx="1">
+              <a:schemeClr val="accent1"/>
+            </a:fillRef>
+            <a:effectRef idx="0">
+              <a:schemeClr val="accent1"/>
+            </a:effectRef>
+            <a:fontRef idx="minor">
+              <a:schemeClr val="lt1"/>
+            </a:fontRef>
+          </p:style>
+          <p:txBody>
+            <a:bodyPr rtlCol="0" anchor="ctr"/>
+            <a:lstStyle/>
+            <a:p>
+              <a:pPr algn="ctr"/>
+              <a:r>
+                <a:rPr lang="en-US" altLang="ko-KR" sz="1100" dirty="0">
+                  <a:solidFill>
+                    <a:schemeClr val="tx1"/>
+                  </a:solidFill>
+                </a:rPr>
+                <a:t>Load Balancer</a:t>
+              </a:r>
+              <a:endParaRPr lang="ko-KR" altLang="en-US" sz="1100" dirty="0">
+                <a:solidFill>
+                  <a:schemeClr val="tx1"/>
+                </a:solidFill>
+              </a:endParaRPr>
+            </a:p>
+          </p:txBody>
+        </p:sp>
+        <p:sp>
+          <p:nvSpPr>
+            <p:cNvPr id="6" name="사각형: 둥근 모서리 5">
+              <a:extLst>
+                <a:ext uri="{FF2B5EF4-FFF2-40B4-BE49-F238E27FC236}">
+                  <a16:creationId xmlns:a16="http://schemas.microsoft.com/office/drawing/2014/main" id="{1554FF31-A83D-473D-9F34-C6BE235FEE45}"/>
+                </a:ext>
+              </a:extLst>
+            </p:cNvPr>
+            <p:cNvSpPr/>
+            <p:nvPr/>
+          </p:nvSpPr>
+          <p:spPr>
+            <a:xfrm>
+              <a:off x="5929224" y="1971136"/>
+              <a:ext cx="983412" cy="500332"/>
+            </a:xfrm>
+            <a:prstGeom prst="roundRect">
+              <a:avLst/>
+            </a:prstGeom>
+            <a:noFill/>
+            <a:ln>
+              <a:solidFill>
+                <a:schemeClr val="tx1"/>
+              </a:solidFill>
+            </a:ln>
+          </p:spPr>
+          <p:style>
+            <a:lnRef idx="2">
+              <a:schemeClr val="accent1">
+                <a:shade val="50000"/>
+              </a:schemeClr>
+            </a:lnRef>
+            <a:fillRef idx="1">
+              <a:schemeClr val="accent1"/>
+            </a:fillRef>
+            <a:effectRef idx="0">
+              <a:schemeClr val="accent1"/>
+            </a:effectRef>
+            <a:fontRef idx="minor">
+              <a:schemeClr val="lt1"/>
+            </a:fontRef>
+          </p:style>
+          <p:txBody>
+            <a:bodyPr rtlCol="0" anchor="ctr"/>
+            <a:lstStyle/>
+            <a:p>
+              <a:pPr algn="ctr"/>
+              <a:r>
+                <a:rPr lang="en-US" altLang="ko-KR" sz="1100" dirty="0">
+                  <a:solidFill>
+                    <a:schemeClr val="tx1"/>
+                  </a:solidFill>
+                </a:rPr>
+                <a:t>DB</a:t>
+              </a:r>
+              <a:endParaRPr lang="ko-KR" altLang="en-US" sz="1100" dirty="0">
+                <a:solidFill>
+                  <a:schemeClr val="tx1"/>
+                </a:solidFill>
+              </a:endParaRPr>
+            </a:p>
+          </p:txBody>
+        </p:sp>
+        <p:cxnSp>
+          <p:nvCxnSpPr>
+            <p:cNvPr id="10" name="직선 연결선 9">
+              <a:extLst>
+                <a:ext uri="{FF2B5EF4-FFF2-40B4-BE49-F238E27FC236}">
+                  <a16:creationId xmlns:a16="http://schemas.microsoft.com/office/drawing/2014/main" id="{21D06411-3366-4491-9400-6043D70D4F26}"/>
+                </a:ext>
+              </a:extLst>
+            </p:cNvPr>
+            <p:cNvCxnSpPr>
+              <a:cxnSpLocks/>
+              <a:stCxn id="16" idx="3"/>
+              <a:endCxn id="6" idx="1"/>
+            </p:cNvCxnSpPr>
+            <p:nvPr/>
+          </p:nvCxnSpPr>
+          <p:spPr>
+            <a:xfrm>
+              <a:off x="5417389" y="2221302"/>
+              <a:ext cx="511835" cy="0"/>
+            </a:xfrm>
+            <a:prstGeom prst="line">
+              <a:avLst/>
+            </a:prstGeom>
+            <a:ln>
+              <a:solidFill>
+                <a:schemeClr val="tx1"/>
+              </a:solidFill>
+            </a:ln>
+          </p:spPr>
+          <p:style>
+            <a:lnRef idx="1">
+              <a:schemeClr val="accent1"/>
+            </a:lnRef>
+            <a:fillRef idx="0">
+              <a:schemeClr val="accent1"/>
+            </a:fillRef>
+            <a:effectRef idx="0">
+              <a:schemeClr val="accent1"/>
+            </a:effectRef>
+            <a:fontRef idx="minor">
+              <a:schemeClr val="tx1"/>
+            </a:fontRef>
+          </p:style>
+        </p:cxnSp>
+        <p:cxnSp>
+          <p:nvCxnSpPr>
+            <p:cNvPr id="12" name="직선 연결선 11">
+              <a:extLst>
+                <a:ext uri="{FF2B5EF4-FFF2-40B4-BE49-F238E27FC236}">
+                  <a16:creationId xmlns:a16="http://schemas.microsoft.com/office/drawing/2014/main" id="{002FA950-0BAB-4BDE-A3A3-7925C61BE585}"/>
+                </a:ext>
+              </a:extLst>
+            </p:cNvPr>
+            <p:cNvCxnSpPr>
+              <a:cxnSpLocks/>
+              <a:stCxn id="5" idx="3"/>
+              <a:endCxn id="16" idx="1"/>
+            </p:cNvCxnSpPr>
+            <p:nvPr/>
+          </p:nvCxnSpPr>
+          <p:spPr>
+            <a:xfrm>
+              <a:off x="3197523" y="2221302"/>
+              <a:ext cx="511835" cy="0"/>
+            </a:xfrm>
+            <a:prstGeom prst="line">
+              <a:avLst/>
+            </a:prstGeom>
+            <a:ln>
+              <a:solidFill>
+                <a:schemeClr val="tx1"/>
+              </a:solidFill>
+            </a:ln>
+          </p:spPr>
+          <p:style>
+            <a:lnRef idx="1">
+              <a:schemeClr val="accent1"/>
+            </a:lnRef>
+            <a:fillRef idx="0">
+              <a:schemeClr val="accent1"/>
+            </a:fillRef>
+            <a:effectRef idx="0">
+              <a:schemeClr val="accent1"/>
+            </a:effectRef>
+            <a:fontRef idx="minor">
+              <a:schemeClr val="tx1"/>
+            </a:fontRef>
+          </p:style>
+        </p:cxnSp>
+        <p:sp>
+          <p:nvSpPr>
+            <p:cNvPr id="9" name="사각형: 둥근 모서리 8">
+              <a:extLst>
+                <a:ext uri="{FF2B5EF4-FFF2-40B4-BE49-F238E27FC236}">
+                  <a16:creationId xmlns:a16="http://schemas.microsoft.com/office/drawing/2014/main" id="{DEA766FC-48DC-4504-9C11-EB1814FE9953}"/>
+                </a:ext>
+              </a:extLst>
+            </p:cNvPr>
+            <p:cNvSpPr/>
+            <p:nvPr/>
+          </p:nvSpPr>
+          <p:spPr>
+            <a:xfrm>
+              <a:off x="954654" y="1971136"/>
+              <a:ext cx="888521" cy="500332"/>
+            </a:xfrm>
+            <a:prstGeom prst="roundRect">
+              <a:avLst/>
+            </a:prstGeom>
+            <a:noFill/>
+            <a:ln>
+              <a:solidFill>
+                <a:schemeClr val="tx1"/>
+              </a:solidFill>
+            </a:ln>
+          </p:spPr>
+          <p:style>
+            <a:lnRef idx="2">
+              <a:schemeClr val="accent1">
+                <a:shade val="50000"/>
+              </a:schemeClr>
+            </a:lnRef>
+            <a:fillRef idx="1">
+              <a:schemeClr val="accent1"/>
+            </a:fillRef>
+            <a:effectRef idx="0">
+              <a:schemeClr val="accent1"/>
+            </a:effectRef>
+            <a:fontRef idx="minor">
+              <a:schemeClr val="lt1"/>
+            </a:fontRef>
+          </p:style>
+          <p:txBody>
+            <a:bodyPr rtlCol="0" anchor="ctr"/>
+            <a:lstStyle/>
+            <a:p>
+              <a:pPr algn="ctr"/>
+              <a:r>
+                <a:rPr lang="en-US" altLang="ko-KR" sz="1100" dirty="0">
+                  <a:solidFill>
+                    <a:schemeClr val="tx1"/>
+                  </a:solidFill>
+                </a:rPr>
+                <a:t>Client</a:t>
+              </a:r>
+              <a:endParaRPr lang="ko-KR" altLang="en-US" sz="1100" dirty="0">
+                <a:solidFill>
+                  <a:schemeClr val="tx1"/>
+                </a:solidFill>
+              </a:endParaRPr>
+            </a:p>
+          </p:txBody>
+        </p:sp>
+        <p:cxnSp>
+          <p:nvCxnSpPr>
+            <p:cNvPr id="11" name="직선 연결선 10">
+              <a:extLst>
+                <a:ext uri="{FF2B5EF4-FFF2-40B4-BE49-F238E27FC236}">
+                  <a16:creationId xmlns:a16="http://schemas.microsoft.com/office/drawing/2014/main" id="{A3C2D81C-97C2-4DE5-B5F5-0992D86EFBA3}"/>
+                </a:ext>
+              </a:extLst>
+            </p:cNvPr>
+            <p:cNvCxnSpPr>
+              <a:cxnSpLocks/>
+            </p:cNvCxnSpPr>
+            <p:nvPr/>
+          </p:nvCxnSpPr>
+          <p:spPr>
+            <a:xfrm>
+              <a:off x="1843175" y="2221302"/>
+              <a:ext cx="465827" cy="0"/>
+            </a:xfrm>
+            <a:prstGeom prst="line">
+              <a:avLst/>
+            </a:prstGeom>
+            <a:ln>
+              <a:solidFill>
+                <a:schemeClr val="tx1"/>
+              </a:solidFill>
+            </a:ln>
+          </p:spPr>
+          <p:style>
+            <a:lnRef idx="1">
+              <a:schemeClr val="accent1"/>
+            </a:lnRef>
+            <a:fillRef idx="0">
+              <a:schemeClr val="accent1"/>
+            </a:fillRef>
+            <a:effectRef idx="0">
+              <a:schemeClr val="accent1"/>
+            </a:effectRef>
+            <a:fontRef idx="minor">
+              <a:schemeClr val="tx1"/>
+            </a:fontRef>
+          </p:style>
+        </p:cxnSp>
+        <p:sp>
+          <p:nvSpPr>
+            <p:cNvPr id="20" name="사각형: 둥근 모서리 19">
+              <a:extLst>
+                <a:ext uri="{FF2B5EF4-FFF2-40B4-BE49-F238E27FC236}">
+                  <a16:creationId xmlns:a16="http://schemas.microsoft.com/office/drawing/2014/main" id="{2E59D5EB-C4DF-4DDB-8DBE-9FB45EFB1F1B}"/>
+                </a:ext>
+              </a:extLst>
+            </p:cNvPr>
+            <p:cNvSpPr/>
+            <p:nvPr/>
+          </p:nvSpPr>
+          <p:spPr>
+            <a:xfrm>
+              <a:off x="3795624" y="2346394"/>
+              <a:ext cx="1526875" cy="1043796"/>
+            </a:xfrm>
+            <a:prstGeom prst="roundRect">
+              <a:avLst/>
+            </a:prstGeom>
+            <a:solidFill>
+              <a:schemeClr val="bg1">
+                <a:lumMod val="65000"/>
+              </a:schemeClr>
+            </a:solidFill>
+            <a:ln>
+              <a:solidFill>
+                <a:schemeClr val="tx1"/>
+              </a:solidFill>
+            </a:ln>
+          </p:spPr>
+          <p:style>
+            <a:lnRef idx="2">
+              <a:schemeClr val="accent1">
+                <a:shade val="50000"/>
+              </a:schemeClr>
+            </a:lnRef>
+            <a:fillRef idx="1">
+              <a:schemeClr val="accent1"/>
+            </a:fillRef>
+            <a:effectRef idx="0">
+              <a:schemeClr val="accent1"/>
+            </a:effectRef>
+            <a:fontRef idx="minor">
+              <a:schemeClr val="lt1"/>
+            </a:fontRef>
+          </p:style>
+          <p:txBody>
+            <a:bodyPr rtlCol="0" anchor="ctr"/>
+            <a:lstStyle/>
+            <a:p>
+              <a:pPr algn="ctr"/>
+              <a:r>
+                <a:rPr lang="en-US" altLang="ko-KR" sz="1200" b="1" dirty="0">
+                  <a:solidFill>
+                    <a:schemeClr val="tx1"/>
+                  </a:solidFill>
+                </a:rPr>
+                <a:t>Server</a:t>
+              </a:r>
+              <a:endParaRPr lang="en-US" altLang="ko-KR" sz="1100" dirty="0"/>
+            </a:p>
+            <a:p>
+              <a:pPr algn="ctr"/>
+              <a:endParaRPr lang="en-US" altLang="ko-KR" sz="1100" dirty="0"/>
+            </a:p>
+            <a:p>
+              <a:pPr algn="ctr"/>
+              <a:endParaRPr lang="en-US" altLang="ko-KR" sz="1100" dirty="0"/>
+            </a:p>
+            <a:p>
+              <a:pPr algn="ctr"/>
+              <a:endParaRPr lang="en-US" altLang="ko-KR" sz="1100" dirty="0"/>
+            </a:p>
+            <a:p>
+              <a:pPr algn="ctr"/>
+              <a:endParaRPr lang="en-US" altLang="ko-KR" sz="1100" dirty="0"/>
+            </a:p>
+            <a:p>
+              <a:pPr algn="ctr"/>
+              <a:endParaRPr lang="en-US" altLang="ko-KR" sz="1100" dirty="0"/>
+            </a:p>
+          </p:txBody>
+        </p:sp>
+        <p:sp>
+          <p:nvSpPr>
+            <p:cNvPr id="21" name="사각형: 둥근 모서리 20">
+              <a:extLst>
+                <a:ext uri="{FF2B5EF4-FFF2-40B4-BE49-F238E27FC236}">
+                  <a16:creationId xmlns:a16="http://schemas.microsoft.com/office/drawing/2014/main" id="{6C0CAA5C-12EF-438E-899A-3DF101F8B6ED}"/>
+                </a:ext>
+              </a:extLst>
+            </p:cNvPr>
+            <p:cNvSpPr/>
+            <p:nvPr/>
+          </p:nvSpPr>
+          <p:spPr>
+            <a:xfrm>
+              <a:off x="4067355" y="2618126"/>
+              <a:ext cx="983412" cy="500332"/>
+            </a:xfrm>
+            <a:prstGeom prst="roundRect">
+              <a:avLst/>
+            </a:prstGeom>
+            <a:noFill/>
+            <a:ln>
+              <a:solidFill>
+                <a:schemeClr val="tx1"/>
+              </a:solidFill>
+            </a:ln>
+          </p:spPr>
+          <p:style>
+            <a:lnRef idx="2">
+              <a:schemeClr val="accent1">
+                <a:shade val="50000"/>
+              </a:schemeClr>
+            </a:lnRef>
+            <a:fillRef idx="1">
+              <a:schemeClr val="accent1"/>
+            </a:fillRef>
+            <a:effectRef idx="0">
+              <a:schemeClr val="accent1"/>
+            </a:effectRef>
+            <a:fontRef idx="minor">
+              <a:schemeClr val="lt1"/>
+            </a:fontRef>
+          </p:style>
+          <p:txBody>
+            <a:bodyPr rtlCol="0" anchor="ctr"/>
+            <a:lstStyle/>
+            <a:p>
+              <a:pPr algn="ctr"/>
+              <a:r>
+                <a:rPr lang="en-US" altLang="ko-KR" sz="1100" dirty="0">
+                  <a:solidFill>
+                    <a:schemeClr val="tx1"/>
+                  </a:solidFill>
+                </a:rPr>
+                <a:t>Application</a:t>
+              </a:r>
+              <a:endParaRPr lang="ko-KR" altLang="en-US" sz="1100" dirty="0">
+                <a:solidFill>
+                  <a:schemeClr val="tx1"/>
+                </a:solidFill>
+              </a:endParaRPr>
+            </a:p>
+          </p:txBody>
+        </p:sp>
+      </p:grpSp>
+    </p:spTree>
+    <p:extLst>
+      <p:ext uri="{BB962C8B-B14F-4D97-AF65-F5344CB8AC3E}">
+        <p14:creationId xmlns:p14="http://schemas.microsoft.com/office/powerpoint/2010/main" val="1329420531"/>
+      </p:ext>
+    </p:extLst>
+  </p:cSld>
+  <p:clrMapOvr>
+    <a:masterClrMapping/>
+  </p:clrMapOvr>
+</p:sld>
+</file>
+
+<file path=ppt/slides/slide4.xml><?xml version="1.0" encoding="utf-8"?>
+<p:sld xmlns:a="http://schemas.openxmlformats.org/drawingml/2006/main" xmlns:r="http://schemas.openxmlformats.org/officeDocument/2006/relationships" xmlns:p="http://schemas.openxmlformats.org/presentationml/2006/main">
+  <p:cSld>
+    <p:spTree>
+      <p:nvGrpSpPr>
+        <p:cNvPr id="1" name=""/>
+        <p:cNvGrpSpPr/>
+        <p:nvPr/>
+      </p:nvGrpSpPr>
+      <p:grpSpPr>
+        <a:xfrm>
+          <a:off x="0" y="0"/>
+          <a:ext cx="0" cy="0"/>
+          <a:chOff x="0" y="0"/>
+          <a:chExt cx="0" cy="0"/>
+        </a:xfrm>
+      </p:grpSpPr>
+      <p:grpSp>
+        <p:nvGrpSpPr>
+          <p:cNvPr id="41" name="그룹 40">
+            <a:extLst>
+              <a:ext uri="{FF2B5EF4-FFF2-40B4-BE49-F238E27FC236}">
+                <a16:creationId xmlns:a16="http://schemas.microsoft.com/office/drawing/2014/main" id="{29ADF5DA-EC1C-450A-8B9C-6E292047FD1F}"/>
+              </a:ext>
+            </a:extLst>
+          </p:cNvPr>
+          <p:cNvGrpSpPr/>
+          <p:nvPr/>
+        </p:nvGrpSpPr>
+        <p:grpSpPr>
+          <a:xfrm>
+            <a:off x="954654" y="802266"/>
+            <a:ext cx="7044910" cy="2838071"/>
+            <a:chOff x="954654" y="802266"/>
+            <a:chExt cx="7044910" cy="2838071"/>
+          </a:xfrm>
+        </p:grpSpPr>
+        <p:sp>
+          <p:nvSpPr>
+            <p:cNvPr id="16" name="직사각형 15">
+              <a:extLst>
+                <a:ext uri="{FF2B5EF4-FFF2-40B4-BE49-F238E27FC236}">
+                  <a16:creationId xmlns:a16="http://schemas.microsoft.com/office/drawing/2014/main" id="{93B03F87-E5DC-44BC-96AC-6366B1E626D5}"/>
+                </a:ext>
+              </a:extLst>
+            </p:cNvPr>
+            <p:cNvSpPr/>
+            <p:nvPr/>
+          </p:nvSpPr>
+          <p:spPr>
+            <a:xfrm>
+              <a:off x="3709358" y="802266"/>
+              <a:ext cx="2794959" cy="2838071"/>
+            </a:xfrm>
+            <a:prstGeom prst="rect">
+              <a:avLst/>
+            </a:prstGeom>
+            <a:solidFill>
+              <a:schemeClr val="bg2">
+                <a:lumMod val="90000"/>
+              </a:schemeClr>
+            </a:solidFill>
+            <a:ln>
+              <a:solidFill>
+                <a:schemeClr val="tx1"/>
+              </a:solidFill>
+            </a:ln>
+          </p:spPr>
+          <p:style>
+            <a:lnRef idx="2">
+              <a:schemeClr val="accent1">
+                <a:shade val="50000"/>
+              </a:schemeClr>
+            </a:lnRef>
+            <a:fillRef idx="1">
+              <a:schemeClr val="accent1"/>
+            </a:fillRef>
+            <a:effectRef idx="0">
+              <a:schemeClr val="accent1"/>
+            </a:effectRef>
+            <a:fontRef idx="minor">
+              <a:schemeClr val="lt1"/>
+            </a:fontRef>
+          </p:style>
+          <p:txBody>
+            <a:bodyPr rtlCol="0" anchor="ctr"/>
+            <a:lstStyle/>
+            <a:p>
+              <a:pPr algn="ctr"/>
+              <a:endParaRPr lang="ko-KR" altLang="en-US"/>
+            </a:p>
+          </p:txBody>
+        </p:sp>
+        <p:sp>
+          <p:nvSpPr>
+            <p:cNvPr id="5" name="사각형: 둥근 모서리 4">
+              <a:extLst>
+                <a:ext uri="{FF2B5EF4-FFF2-40B4-BE49-F238E27FC236}">
+                  <a16:creationId xmlns:a16="http://schemas.microsoft.com/office/drawing/2014/main" id="{67CB3C99-5216-4EB2-9A30-FA4EAB4A0733}"/>
+                </a:ext>
+              </a:extLst>
+            </p:cNvPr>
+            <p:cNvSpPr/>
+            <p:nvPr/>
+          </p:nvSpPr>
+          <p:spPr>
+            <a:xfrm>
+              <a:off x="2309002" y="1971136"/>
+              <a:ext cx="888521" cy="500332"/>
+            </a:xfrm>
+            <a:prstGeom prst="roundRect">
+              <a:avLst/>
+            </a:prstGeom>
+            <a:noFill/>
+            <a:ln>
+              <a:solidFill>
+                <a:schemeClr val="tx1"/>
+              </a:solidFill>
+            </a:ln>
+          </p:spPr>
+          <p:style>
+            <a:lnRef idx="2">
+              <a:schemeClr val="accent1">
+                <a:shade val="50000"/>
+              </a:schemeClr>
+            </a:lnRef>
+            <a:fillRef idx="1">
+              <a:schemeClr val="accent1"/>
+            </a:fillRef>
+            <a:effectRef idx="0">
+              <a:schemeClr val="accent1"/>
+            </a:effectRef>
+            <a:fontRef idx="minor">
+              <a:schemeClr val="lt1"/>
+            </a:fontRef>
+          </p:style>
+          <p:txBody>
+            <a:bodyPr rtlCol="0" anchor="ctr"/>
+            <a:lstStyle/>
+            <a:p>
+              <a:pPr algn="ctr"/>
+              <a:r>
+                <a:rPr lang="en-US" altLang="ko-KR" sz="1100" dirty="0">
+                  <a:solidFill>
+                    <a:schemeClr val="tx1"/>
+                  </a:solidFill>
+                </a:rPr>
+                <a:t>Load Balancer</a:t>
+              </a:r>
+              <a:endParaRPr lang="ko-KR" altLang="en-US" sz="1100" dirty="0">
+                <a:solidFill>
+                  <a:schemeClr val="tx1"/>
+                </a:solidFill>
+              </a:endParaRPr>
+            </a:p>
+          </p:txBody>
+        </p:sp>
+        <p:sp>
+          <p:nvSpPr>
+            <p:cNvPr id="6" name="사각형: 둥근 모서리 5">
+              <a:extLst>
+                <a:ext uri="{FF2B5EF4-FFF2-40B4-BE49-F238E27FC236}">
+                  <a16:creationId xmlns:a16="http://schemas.microsoft.com/office/drawing/2014/main" id="{1554FF31-A83D-473D-9F34-C6BE235FEE45}"/>
+                </a:ext>
+              </a:extLst>
+            </p:cNvPr>
+            <p:cNvSpPr/>
+            <p:nvPr/>
+          </p:nvSpPr>
+          <p:spPr>
+            <a:xfrm>
+              <a:off x="7016152" y="1971136"/>
+              <a:ext cx="983412" cy="500332"/>
+            </a:xfrm>
+            <a:prstGeom prst="roundRect">
+              <a:avLst/>
+            </a:prstGeom>
+            <a:noFill/>
+            <a:ln>
+              <a:solidFill>
+                <a:schemeClr val="tx1"/>
+              </a:solidFill>
+            </a:ln>
+          </p:spPr>
+          <p:style>
+            <a:lnRef idx="2">
+              <a:schemeClr val="accent1">
+                <a:shade val="50000"/>
+              </a:schemeClr>
+            </a:lnRef>
+            <a:fillRef idx="1">
+              <a:schemeClr val="accent1"/>
+            </a:fillRef>
+            <a:effectRef idx="0">
+              <a:schemeClr val="accent1"/>
+            </a:effectRef>
+            <a:fontRef idx="minor">
+              <a:schemeClr val="lt1"/>
+            </a:fontRef>
+          </p:style>
+          <p:txBody>
+            <a:bodyPr rtlCol="0" anchor="ctr"/>
+            <a:lstStyle/>
+            <a:p>
+              <a:pPr algn="ctr"/>
+              <a:r>
+                <a:rPr lang="en-US" altLang="ko-KR" sz="1100" dirty="0">
+                  <a:solidFill>
+                    <a:schemeClr val="tx1"/>
+                  </a:solidFill>
+                </a:rPr>
+                <a:t>DB</a:t>
+              </a:r>
+              <a:endParaRPr lang="ko-KR" altLang="en-US" sz="1100" dirty="0">
+                <a:solidFill>
+                  <a:schemeClr val="tx1"/>
+                </a:solidFill>
+              </a:endParaRPr>
+            </a:p>
+          </p:txBody>
+        </p:sp>
+        <p:cxnSp>
+          <p:nvCxnSpPr>
+            <p:cNvPr id="10" name="직선 연결선 9">
+              <a:extLst>
+                <a:ext uri="{FF2B5EF4-FFF2-40B4-BE49-F238E27FC236}">
+                  <a16:creationId xmlns:a16="http://schemas.microsoft.com/office/drawing/2014/main" id="{21D06411-3366-4491-9400-6043D70D4F26}"/>
+                </a:ext>
+              </a:extLst>
+            </p:cNvPr>
+            <p:cNvCxnSpPr>
+              <a:cxnSpLocks/>
+              <a:endCxn id="6" idx="1"/>
+            </p:cNvCxnSpPr>
+            <p:nvPr/>
+          </p:nvCxnSpPr>
+          <p:spPr>
+            <a:xfrm>
+              <a:off x="6504317" y="2221302"/>
+              <a:ext cx="511835" cy="0"/>
+            </a:xfrm>
+            <a:prstGeom prst="line">
+              <a:avLst/>
+            </a:prstGeom>
+            <a:ln>
+              <a:solidFill>
+                <a:schemeClr val="tx1"/>
+              </a:solidFill>
+            </a:ln>
+          </p:spPr>
+          <p:style>
+            <a:lnRef idx="1">
+              <a:schemeClr val="accent1"/>
+            </a:lnRef>
+            <a:fillRef idx="0">
+              <a:schemeClr val="accent1"/>
+            </a:fillRef>
+            <a:effectRef idx="0">
+              <a:schemeClr val="accent1"/>
+            </a:effectRef>
+            <a:fontRef idx="minor">
+              <a:schemeClr val="tx1"/>
+            </a:fontRef>
+          </p:style>
+        </p:cxnSp>
+        <p:cxnSp>
+          <p:nvCxnSpPr>
+            <p:cNvPr id="12" name="직선 연결선 11">
+              <a:extLst>
+                <a:ext uri="{FF2B5EF4-FFF2-40B4-BE49-F238E27FC236}">
+                  <a16:creationId xmlns:a16="http://schemas.microsoft.com/office/drawing/2014/main" id="{002FA950-0BAB-4BDE-A3A3-7925C61BE585}"/>
+                </a:ext>
+              </a:extLst>
+            </p:cNvPr>
+            <p:cNvCxnSpPr>
+              <a:cxnSpLocks/>
+              <a:stCxn id="5" idx="3"/>
+              <a:endCxn id="16" idx="1"/>
+            </p:cNvCxnSpPr>
+            <p:nvPr/>
+          </p:nvCxnSpPr>
+          <p:spPr>
+            <a:xfrm>
+              <a:off x="3197523" y="2221302"/>
+              <a:ext cx="511835" cy="0"/>
+            </a:xfrm>
+            <a:prstGeom prst="line">
+              <a:avLst/>
+            </a:prstGeom>
+            <a:ln>
+              <a:solidFill>
+                <a:schemeClr val="tx1"/>
+              </a:solidFill>
+            </a:ln>
+          </p:spPr>
+          <p:style>
+            <a:lnRef idx="1">
+              <a:schemeClr val="accent1"/>
+            </a:lnRef>
+            <a:fillRef idx="0">
+              <a:schemeClr val="accent1"/>
+            </a:fillRef>
+            <a:effectRef idx="0">
+              <a:schemeClr val="accent1"/>
+            </a:effectRef>
+            <a:fontRef idx="minor">
+              <a:schemeClr val="tx1"/>
+            </a:fontRef>
+          </p:style>
+        </p:cxnSp>
+        <p:sp>
+          <p:nvSpPr>
+            <p:cNvPr id="9" name="사각형: 둥근 모서리 8">
+              <a:extLst>
+                <a:ext uri="{FF2B5EF4-FFF2-40B4-BE49-F238E27FC236}">
+                  <a16:creationId xmlns:a16="http://schemas.microsoft.com/office/drawing/2014/main" id="{DEA766FC-48DC-4504-9C11-EB1814FE9953}"/>
+                </a:ext>
+              </a:extLst>
+            </p:cNvPr>
+            <p:cNvSpPr/>
+            <p:nvPr/>
+          </p:nvSpPr>
+          <p:spPr>
+            <a:xfrm>
+              <a:off x="954654" y="1971136"/>
+              <a:ext cx="888521" cy="500332"/>
+            </a:xfrm>
+            <a:prstGeom prst="roundRect">
+              <a:avLst/>
+            </a:prstGeom>
+            <a:noFill/>
+            <a:ln>
+              <a:solidFill>
+                <a:schemeClr val="tx1"/>
+              </a:solidFill>
+            </a:ln>
+          </p:spPr>
+          <p:style>
+            <a:lnRef idx="2">
+              <a:schemeClr val="accent1">
+                <a:shade val="50000"/>
+              </a:schemeClr>
+            </a:lnRef>
+            <a:fillRef idx="1">
+              <a:schemeClr val="accent1"/>
+            </a:fillRef>
+            <a:effectRef idx="0">
+              <a:schemeClr val="accent1"/>
+            </a:effectRef>
+            <a:fontRef idx="minor">
+              <a:schemeClr val="lt1"/>
+            </a:fontRef>
+          </p:style>
+          <p:txBody>
+            <a:bodyPr rtlCol="0" anchor="ctr"/>
+            <a:lstStyle/>
+            <a:p>
+              <a:pPr algn="ctr"/>
+              <a:r>
+                <a:rPr lang="en-US" altLang="ko-KR" sz="1100" dirty="0">
+                  <a:solidFill>
+                    <a:schemeClr val="tx1"/>
+                  </a:solidFill>
+                </a:rPr>
+                <a:t>Client</a:t>
+              </a:r>
+              <a:endParaRPr lang="ko-KR" altLang="en-US" sz="1100" dirty="0">
+                <a:solidFill>
+                  <a:schemeClr val="tx1"/>
+                </a:solidFill>
+              </a:endParaRPr>
+            </a:p>
+          </p:txBody>
+        </p:sp>
+        <p:cxnSp>
+          <p:nvCxnSpPr>
+            <p:cNvPr id="11" name="직선 연결선 10">
+              <a:extLst>
+                <a:ext uri="{FF2B5EF4-FFF2-40B4-BE49-F238E27FC236}">
+                  <a16:creationId xmlns:a16="http://schemas.microsoft.com/office/drawing/2014/main" id="{A3C2D81C-97C2-4DE5-B5F5-0992D86EFBA3}"/>
+                </a:ext>
+              </a:extLst>
+            </p:cNvPr>
+            <p:cNvCxnSpPr>
+              <a:cxnSpLocks/>
+            </p:cNvCxnSpPr>
+            <p:nvPr/>
+          </p:nvCxnSpPr>
+          <p:spPr>
+            <a:xfrm>
+              <a:off x="1843175" y="2221302"/>
+              <a:ext cx="465827" cy="0"/>
+            </a:xfrm>
+            <a:prstGeom prst="line">
+              <a:avLst/>
+            </a:prstGeom>
+            <a:ln>
+              <a:solidFill>
+                <a:schemeClr val="tx1"/>
+              </a:solidFill>
+            </a:ln>
+          </p:spPr>
+          <p:style>
+            <a:lnRef idx="1">
+              <a:schemeClr val="accent1"/>
+            </a:lnRef>
+            <a:fillRef idx="0">
+              <a:schemeClr val="accent1"/>
+            </a:fillRef>
+            <a:effectRef idx="0">
+              <a:schemeClr val="accent1"/>
+            </a:effectRef>
+            <a:fontRef idx="minor">
+              <a:schemeClr val="tx1"/>
+            </a:fontRef>
+          </p:style>
+        </p:cxnSp>
+        <p:grpSp>
+          <p:nvGrpSpPr>
+            <p:cNvPr id="34" name="그룹 33">
+              <a:extLst>
+                <a:ext uri="{FF2B5EF4-FFF2-40B4-BE49-F238E27FC236}">
+                  <a16:creationId xmlns:a16="http://schemas.microsoft.com/office/drawing/2014/main" id="{F447FF67-AEC3-41F9-9F0E-569CCA6D9086}"/>
+                </a:ext>
+              </a:extLst>
+            </p:cNvPr>
+            <p:cNvGrpSpPr/>
+            <p:nvPr/>
+          </p:nvGrpSpPr>
+          <p:grpSpPr>
+            <a:xfrm>
+              <a:off x="4153620" y="1538386"/>
+              <a:ext cx="2216988" cy="1664845"/>
+              <a:chOff x="3778370" y="1052431"/>
+              <a:chExt cx="2216988" cy="1664845"/>
+            </a:xfrm>
+          </p:grpSpPr>
+          <p:sp>
+            <p:nvSpPr>
+              <p:cNvPr id="35" name="사각형: 둥근 모서리 34">
+                <a:extLst>
+                  <a:ext uri="{FF2B5EF4-FFF2-40B4-BE49-F238E27FC236}">
+                    <a16:creationId xmlns:a16="http://schemas.microsoft.com/office/drawing/2014/main" id="{75C82B1A-36D0-44C5-9604-2290048616C7}"/>
+                  </a:ext>
+                </a:extLst>
+              </p:cNvPr>
+              <p:cNvSpPr/>
+              <p:nvPr/>
+            </p:nvSpPr>
+            <p:spPr>
+              <a:xfrm>
+                <a:off x="3778370" y="1052431"/>
+                <a:ext cx="2216988" cy="1664845"/>
+              </a:xfrm>
+              <a:prstGeom prst="roundRect">
+                <a:avLst/>
+              </a:prstGeom>
+              <a:solidFill>
+                <a:schemeClr val="bg1">
+                  <a:lumMod val="65000"/>
+                </a:schemeClr>
+              </a:solidFill>
+              <a:ln>
+                <a:solidFill>
+                  <a:schemeClr val="tx1"/>
+                </a:solidFill>
+              </a:ln>
+            </p:spPr>
+            <p:style>
+              <a:lnRef idx="2">
+                <a:schemeClr val="accent1">
+                  <a:shade val="50000"/>
+                </a:schemeClr>
+              </a:lnRef>
+              <a:fillRef idx="1">
+                <a:schemeClr val="accent1"/>
+              </a:fillRef>
+              <a:effectRef idx="0">
+                <a:schemeClr val="accent1"/>
+              </a:effectRef>
+              <a:fontRef idx="minor">
+                <a:schemeClr val="lt1"/>
+              </a:fontRef>
+            </p:style>
+            <p:txBody>
+              <a:bodyPr rtlCol="0" anchor="ctr"/>
+              <a:lstStyle/>
+              <a:p>
+                <a:pPr algn="ctr"/>
+                <a:r>
+                  <a:rPr lang="en-US" altLang="ko-KR" sz="1200" b="1" dirty="0">
+                    <a:solidFill>
+                      <a:schemeClr val="tx1"/>
+                    </a:solidFill>
+                  </a:rPr>
+                  <a:t>Server</a:t>
+                </a:r>
+              </a:p>
+              <a:p>
+                <a:pPr algn="ctr"/>
+                <a:endParaRPr lang="en-US" altLang="ko-KR" sz="1200" b="1" dirty="0">
+                  <a:solidFill>
+                    <a:schemeClr val="tx1"/>
+                  </a:solidFill>
+                </a:endParaRPr>
+              </a:p>
+              <a:p>
+                <a:pPr algn="ctr"/>
+                <a:endParaRPr lang="en-US" altLang="ko-KR" sz="1200" b="1" dirty="0">
+                  <a:solidFill>
+                    <a:schemeClr val="tx1"/>
+                  </a:solidFill>
+                </a:endParaRPr>
+              </a:p>
+              <a:p>
+                <a:pPr algn="ctr"/>
+                <a:endParaRPr lang="en-US" altLang="ko-KR" sz="1100" dirty="0"/>
+              </a:p>
+              <a:p>
+                <a:pPr algn="ctr"/>
+                <a:endParaRPr lang="en-US" altLang="ko-KR" sz="1100" dirty="0"/>
+              </a:p>
+              <a:p>
+                <a:pPr algn="ctr"/>
+                <a:endParaRPr lang="en-US" altLang="ko-KR" sz="1100" dirty="0"/>
+              </a:p>
+              <a:p>
+                <a:pPr algn="ctr"/>
+                <a:endParaRPr lang="en-US" altLang="ko-KR" sz="1100" dirty="0"/>
+              </a:p>
+              <a:p>
+                <a:pPr algn="ctr"/>
+                <a:endParaRPr lang="en-US" altLang="ko-KR" sz="1100" dirty="0"/>
+              </a:p>
+              <a:p>
+                <a:pPr algn="ctr"/>
+                <a:endParaRPr lang="en-US" altLang="ko-KR" sz="1100" dirty="0"/>
+              </a:p>
+            </p:txBody>
+          </p:sp>
+          <p:sp>
+            <p:nvSpPr>
+              <p:cNvPr id="36" name="사각형: 둥근 모서리 35">
+                <a:extLst>
+                  <a:ext uri="{FF2B5EF4-FFF2-40B4-BE49-F238E27FC236}">
+                    <a16:creationId xmlns:a16="http://schemas.microsoft.com/office/drawing/2014/main" id="{D2DD415D-D25E-4181-AAC5-ED00011BD6D1}"/>
+                  </a:ext>
+                </a:extLst>
+              </p:cNvPr>
+              <p:cNvSpPr/>
+              <p:nvPr/>
+            </p:nvSpPr>
+            <p:spPr>
+              <a:xfrm>
+                <a:off x="3894826" y="2126420"/>
+                <a:ext cx="983412" cy="500332"/>
+              </a:xfrm>
+              <a:prstGeom prst="roundRect">
+                <a:avLst/>
+              </a:prstGeom>
+              <a:noFill/>
+              <a:ln>
+                <a:solidFill>
+                  <a:schemeClr val="tx1"/>
+                </a:solidFill>
+              </a:ln>
+            </p:spPr>
+            <p:style>
+              <a:lnRef idx="2">
+                <a:schemeClr val="accent1">
+                  <a:shade val="50000"/>
+                </a:schemeClr>
+              </a:lnRef>
+              <a:fillRef idx="1">
+                <a:schemeClr val="accent1"/>
+              </a:fillRef>
+              <a:effectRef idx="0">
+                <a:schemeClr val="accent1"/>
+              </a:effectRef>
+              <a:fontRef idx="minor">
+                <a:schemeClr val="lt1"/>
+              </a:fontRef>
+            </p:style>
+            <p:txBody>
+              <a:bodyPr rtlCol="0" anchor="ctr"/>
+              <a:lstStyle/>
+              <a:p>
+                <a:pPr algn="ctr"/>
+                <a:r>
+                  <a:rPr lang="en-US" altLang="ko-KR" sz="1100" dirty="0">
+                    <a:solidFill>
+                      <a:schemeClr val="tx1"/>
+                    </a:solidFill>
+                  </a:rPr>
+                  <a:t>Application</a:t>
+                </a:r>
+                <a:endParaRPr lang="ko-KR" altLang="en-US" sz="1100" dirty="0">
+                  <a:solidFill>
+                    <a:schemeClr val="tx1"/>
+                  </a:solidFill>
+                </a:endParaRPr>
+              </a:p>
+            </p:txBody>
+          </p:sp>
+          <p:sp>
+            <p:nvSpPr>
+              <p:cNvPr id="37" name="사각형: 둥근 모서리 36">
+                <a:extLst>
+                  <a:ext uri="{FF2B5EF4-FFF2-40B4-BE49-F238E27FC236}">
+                    <a16:creationId xmlns:a16="http://schemas.microsoft.com/office/drawing/2014/main" id="{C183F1BC-88BD-4247-A36D-FC0BD9628E6B}"/>
+                  </a:ext>
+                </a:extLst>
+              </p:cNvPr>
+              <p:cNvSpPr/>
+              <p:nvPr/>
+            </p:nvSpPr>
+            <p:spPr>
+              <a:xfrm>
+                <a:off x="4442603" y="1388816"/>
+                <a:ext cx="888521" cy="500332"/>
+              </a:xfrm>
+              <a:prstGeom prst="roundRect">
+                <a:avLst/>
+              </a:prstGeom>
+              <a:noFill/>
+              <a:ln>
+                <a:solidFill>
+                  <a:schemeClr val="tx1"/>
+                </a:solidFill>
+              </a:ln>
+            </p:spPr>
+            <p:style>
+              <a:lnRef idx="2">
+                <a:schemeClr val="accent1">
+                  <a:shade val="50000"/>
+                </a:schemeClr>
+              </a:lnRef>
+              <a:fillRef idx="1">
+                <a:schemeClr val="accent1"/>
+              </a:fillRef>
+              <a:effectRef idx="0">
+                <a:schemeClr val="accent1"/>
+              </a:effectRef>
+              <a:fontRef idx="minor">
+                <a:schemeClr val="lt1"/>
+              </a:fontRef>
+            </p:style>
+            <p:txBody>
+              <a:bodyPr rtlCol="0" anchor="ctr"/>
+              <a:lstStyle/>
+              <a:p>
+                <a:pPr algn="ctr"/>
+                <a:r>
+                  <a:rPr lang="en-US" altLang="ko-KR" sz="1100" dirty="0">
+                    <a:solidFill>
+                      <a:schemeClr val="tx1"/>
+                    </a:solidFill>
+                  </a:rPr>
+                  <a:t>Load Balancer</a:t>
+                </a:r>
+                <a:endParaRPr lang="ko-KR" altLang="en-US" sz="1100" dirty="0">
+                  <a:solidFill>
+                    <a:schemeClr val="tx1"/>
+                  </a:solidFill>
+                </a:endParaRPr>
+              </a:p>
+            </p:txBody>
+          </p:sp>
+          <p:sp>
+            <p:nvSpPr>
+              <p:cNvPr id="38" name="사각형: 둥근 모서리 37">
+                <a:extLst>
+                  <a:ext uri="{FF2B5EF4-FFF2-40B4-BE49-F238E27FC236}">
+                    <a16:creationId xmlns:a16="http://schemas.microsoft.com/office/drawing/2014/main" id="{B5B6E7D1-6577-4160-8D37-20C8C8C77114}"/>
+                  </a:ext>
+                </a:extLst>
+              </p:cNvPr>
+              <p:cNvSpPr/>
+              <p:nvPr/>
+            </p:nvSpPr>
+            <p:spPr>
+              <a:xfrm>
+                <a:off x="4927839" y="2126420"/>
+                <a:ext cx="983412" cy="500332"/>
+              </a:xfrm>
+              <a:prstGeom prst="roundRect">
+                <a:avLst/>
+              </a:prstGeom>
+              <a:noFill/>
+              <a:ln>
+                <a:solidFill>
+                  <a:schemeClr val="tx1"/>
+                </a:solidFill>
+              </a:ln>
+            </p:spPr>
+            <p:style>
+              <a:lnRef idx="2">
+                <a:schemeClr val="accent1">
+                  <a:shade val="50000"/>
+                </a:schemeClr>
+              </a:lnRef>
+              <a:fillRef idx="1">
+                <a:schemeClr val="accent1"/>
+              </a:fillRef>
+              <a:effectRef idx="0">
+                <a:schemeClr val="accent1"/>
+              </a:effectRef>
+              <a:fontRef idx="minor">
+                <a:schemeClr val="lt1"/>
+              </a:fontRef>
+            </p:style>
+            <p:txBody>
+              <a:bodyPr rtlCol="0" anchor="ctr"/>
+              <a:lstStyle/>
+              <a:p>
+                <a:pPr algn="ctr"/>
+                <a:r>
+                  <a:rPr lang="en-US" altLang="ko-KR" sz="1100" dirty="0">
+                    <a:solidFill>
+                      <a:schemeClr val="tx1"/>
+                    </a:solidFill>
+                  </a:rPr>
+                  <a:t>Application</a:t>
+                </a:r>
+                <a:endParaRPr lang="ko-KR" altLang="en-US" sz="1100" dirty="0">
+                  <a:solidFill>
+                    <a:schemeClr val="tx1"/>
+                  </a:solidFill>
+                </a:endParaRPr>
+              </a:p>
+            </p:txBody>
+          </p:sp>
+          <p:cxnSp>
+            <p:nvCxnSpPr>
+              <p:cNvPr id="39" name="직선 연결선 38">
+                <a:extLst>
+                  <a:ext uri="{FF2B5EF4-FFF2-40B4-BE49-F238E27FC236}">
+                    <a16:creationId xmlns:a16="http://schemas.microsoft.com/office/drawing/2014/main" id="{9F83B230-CCB2-4605-BD60-53D3CF807BDE}"/>
+                  </a:ext>
+                </a:extLst>
+              </p:cNvPr>
+              <p:cNvCxnSpPr>
+                <a:stCxn id="37" idx="2"/>
+                <a:endCxn id="36" idx="0"/>
+              </p:cNvCxnSpPr>
+              <p:nvPr/>
+            </p:nvCxnSpPr>
+            <p:spPr>
+              <a:xfrm flipH="1">
+                <a:off x="4386532" y="1889148"/>
+                <a:ext cx="500332" cy="237272"/>
+              </a:xfrm>
+              <a:prstGeom prst="line">
+                <a:avLst/>
+              </a:prstGeom>
+              <a:ln>
+                <a:solidFill>
+                  <a:schemeClr val="tx1"/>
+                </a:solidFill>
+              </a:ln>
+            </p:spPr>
+            <p:style>
+              <a:lnRef idx="1">
+                <a:schemeClr val="accent1"/>
+              </a:lnRef>
+              <a:fillRef idx="0">
+                <a:schemeClr val="accent1"/>
+              </a:fillRef>
+              <a:effectRef idx="0">
+                <a:schemeClr val="accent1"/>
+              </a:effectRef>
+              <a:fontRef idx="minor">
+                <a:schemeClr val="tx1"/>
+              </a:fontRef>
+            </p:style>
+          </p:cxnSp>
+          <p:cxnSp>
+            <p:nvCxnSpPr>
+              <p:cNvPr id="40" name="직선 연결선 39">
+                <a:extLst>
+                  <a:ext uri="{FF2B5EF4-FFF2-40B4-BE49-F238E27FC236}">
+                    <a16:creationId xmlns:a16="http://schemas.microsoft.com/office/drawing/2014/main" id="{42509AF1-6071-46DA-A129-ACB7E4DDAD21}"/>
+                  </a:ext>
+                </a:extLst>
+              </p:cNvPr>
+              <p:cNvCxnSpPr>
+                <a:stCxn id="37" idx="2"/>
+                <a:endCxn id="38" idx="0"/>
+              </p:cNvCxnSpPr>
+              <p:nvPr/>
+            </p:nvCxnSpPr>
+            <p:spPr>
+              <a:xfrm>
+                <a:off x="4886864" y="1889148"/>
+                <a:ext cx="532681" cy="237272"/>
+              </a:xfrm>
+              <a:prstGeom prst="line">
+                <a:avLst/>
+              </a:prstGeom>
+              <a:ln>
+                <a:solidFill>
+                  <a:schemeClr val="tx1"/>
+                </a:solidFill>
+              </a:ln>
+            </p:spPr>
+            <p:style>
+              <a:lnRef idx="1">
+                <a:schemeClr val="accent1"/>
+              </a:lnRef>
+              <a:fillRef idx="0">
+                <a:schemeClr val="accent1"/>
+              </a:fillRef>
+              <a:effectRef idx="0">
+                <a:schemeClr val="accent1"/>
+              </a:effectRef>
+              <a:fontRef idx="minor">
+                <a:schemeClr val="tx1"/>
+              </a:fontRef>
+            </p:style>
+          </p:cxnSp>
+        </p:grpSp>
+        <p:grpSp>
+          <p:nvGrpSpPr>
+            <p:cNvPr id="27" name="그룹 26">
+              <a:extLst>
+                <a:ext uri="{FF2B5EF4-FFF2-40B4-BE49-F238E27FC236}">
+                  <a16:creationId xmlns:a16="http://schemas.microsoft.com/office/drawing/2014/main" id="{5532BA6F-2F14-4C0C-841F-467E9998719B}"/>
+                </a:ext>
+              </a:extLst>
+            </p:cNvPr>
+            <p:cNvGrpSpPr/>
+            <p:nvPr/>
+          </p:nvGrpSpPr>
+          <p:grpSpPr>
+            <a:xfrm>
+              <a:off x="4001220" y="1385986"/>
+              <a:ext cx="2216988" cy="1664845"/>
+              <a:chOff x="3778370" y="1052431"/>
+              <a:chExt cx="2216988" cy="1664845"/>
+            </a:xfrm>
+          </p:grpSpPr>
+          <p:sp>
+            <p:nvSpPr>
+              <p:cNvPr id="28" name="사각형: 둥근 모서리 27">
+                <a:extLst>
+                  <a:ext uri="{FF2B5EF4-FFF2-40B4-BE49-F238E27FC236}">
+                    <a16:creationId xmlns:a16="http://schemas.microsoft.com/office/drawing/2014/main" id="{44F604C6-F29B-4CBB-A7A0-8DF1E09CE4C5}"/>
+                  </a:ext>
+                </a:extLst>
+              </p:cNvPr>
+              <p:cNvSpPr/>
+              <p:nvPr/>
+            </p:nvSpPr>
+            <p:spPr>
+              <a:xfrm>
+                <a:off x="3778370" y="1052431"/>
+                <a:ext cx="2216988" cy="1664845"/>
+              </a:xfrm>
+              <a:prstGeom prst="roundRect">
+                <a:avLst/>
+              </a:prstGeom>
+              <a:solidFill>
+                <a:schemeClr val="bg1">
+                  <a:lumMod val="65000"/>
+                </a:schemeClr>
+              </a:solidFill>
+              <a:ln>
+                <a:solidFill>
+                  <a:schemeClr val="tx1"/>
+                </a:solidFill>
+              </a:ln>
+            </p:spPr>
+            <p:style>
+              <a:lnRef idx="2">
+                <a:schemeClr val="accent1">
+                  <a:shade val="50000"/>
+                </a:schemeClr>
+              </a:lnRef>
+              <a:fillRef idx="1">
+                <a:schemeClr val="accent1"/>
+              </a:fillRef>
+              <a:effectRef idx="0">
+                <a:schemeClr val="accent1"/>
+              </a:effectRef>
+              <a:fontRef idx="minor">
+                <a:schemeClr val="lt1"/>
+              </a:fontRef>
+            </p:style>
+            <p:txBody>
+              <a:bodyPr rtlCol="0" anchor="ctr"/>
+              <a:lstStyle/>
+              <a:p>
+                <a:pPr algn="ctr"/>
+                <a:r>
+                  <a:rPr lang="en-US" altLang="ko-KR" sz="1200" b="1" dirty="0">
+                    <a:solidFill>
+                      <a:schemeClr val="tx1"/>
+                    </a:solidFill>
+                  </a:rPr>
+                  <a:t>Server</a:t>
+                </a:r>
+              </a:p>
+              <a:p>
+                <a:pPr algn="ctr"/>
+                <a:endParaRPr lang="en-US" altLang="ko-KR" sz="1200" b="1" dirty="0">
+                  <a:solidFill>
+                    <a:schemeClr val="tx1"/>
+                  </a:solidFill>
+                </a:endParaRPr>
+              </a:p>
+              <a:p>
+                <a:pPr algn="ctr"/>
+                <a:endParaRPr lang="en-US" altLang="ko-KR" sz="1200" b="1" dirty="0">
+                  <a:solidFill>
+                    <a:schemeClr val="tx1"/>
+                  </a:solidFill>
+                </a:endParaRPr>
+              </a:p>
+              <a:p>
+                <a:pPr algn="ctr"/>
+                <a:endParaRPr lang="en-US" altLang="ko-KR" sz="1100" dirty="0"/>
+              </a:p>
+              <a:p>
+                <a:pPr algn="ctr"/>
+                <a:endParaRPr lang="en-US" altLang="ko-KR" sz="1100" dirty="0"/>
+              </a:p>
+              <a:p>
+                <a:pPr algn="ctr"/>
+                <a:endParaRPr lang="en-US" altLang="ko-KR" sz="1100" dirty="0"/>
+              </a:p>
+              <a:p>
+                <a:pPr algn="ctr"/>
+                <a:endParaRPr lang="en-US" altLang="ko-KR" sz="1100" dirty="0"/>
+              </a:p>
+              <a:p>
+                <a:pPr algn="ctr"/>
+                <a:endParaRPr lang="en-US" altLang="ko-KR" sz="1100" dirty="0"/>
+              </a:p>
+              <a:p>
+                <a:pPr algn="ctr"/>
+                <a:endParaRPr lang="en-US" altLang="ko-KR" sz="1100" dirty="0"/>
+              </a:p>
+            </p:txBody>
+          </p:sp>
+          <p:sp>
+            <p:nvSpPr>
+              <p:cNvPr id="29" name="사각형: 둥근 모서리 28">
+                <a:extLst>
+                  <a:ext uri="{FF2B5EF4-FFF2-40B4-BE49-F238E27FC236}">
+                    <a16:creationId xmlns:a16="http://schemas.microsoft.com/office/drawing/2014/main" id="{F0AA5BA5-D44C-4BB4-B9FB-382709FDF44F}"/>
+                  </a:ext>
+                </a:extLst>
+              </p:cNvPr>
+              <p:cNvSpPr/>
+              <p:nvPr/>
+            </p:nvSpPr>
+            <p:spPr>
+              <a:xfrm>
+                <a:off x="3894826" y="2126420"/>
+                <a:ext cx="983412" cy="500332"/>
+              </a:xfrm>
+              <a:prstGeom prst="roundRect">
+                <a:avLst/>
+              </a:prstGeom>
+              <a:noFill/>
+              <a:ln>
+                <a:solidFill>
+                  <a:schemeClr val="tx1"/>
+                </a:solidFill>
+              </a:ln>
+            </p:spPr>
+            <p:style>
+              <a:lnRef idx="2">
+                <a:schemeClr val="accent1">
+                  <a:shade val="50000"/>
+                </a:schemeClr>
+              </a:lnRef>
+              <a:fillRef idx="1">
+                <a:schemeClr val="accent1"/>
+              </a:fillRef>
+              <a:effectRef idx="0">
+                <a:schemeClr val="accent1"/>
+              </a:effectRef>
+              <a:fontRef idx="minor">
+                <a:schemeClr val="lt1"/>
+              </a:fontRef>
+            </p:style>
+            <p:txBody>
+              <a:bodyPr rtlCol="0" anchor="ctr"/>
+              <a:lstStyle/>
+              <a:p>
+                <a:pPr algn="ctr"/>
+                <a:r>
+                  <a:rPr lang="en-US" altLang="ko-KR" sz="1100" dirty="0">
+                    <a:solidFill>
+                      <a:schemeClr val="tx1"/>
+                    </a:solidFill>
+                  </a:rPr>
+                  <a:t>Application</a:t>
+                </a:r>
+                <a:endParaRPr lang="ko-KR" altLang="en-US" sz="1100" dirty="0">
+                  <a:solidFill>
+                    <a:schemeClr val="tx1"/>
+                  </a:solidFill>
+                </a:endParaRPr>
+              </a:p>
+            </p:txBody>
+          </p:sp>
+          <p:sp>
+            <p:nvSpPr>
+              <p:cNvPr id="30" name="사각형: 둥근 모서리 29">
+                <a:extLst>
+                  <a:ext uri="{FF2B5EF4-FFF2-40B4-BE49-F238E27FC236}">
+                    <a16:creationId xmlns:a16="http://schemas.microsoft.com/office/drawing/2014/main" id="{FAFE894C-CAB5-4378-B991-F937CEF9C897}"/>
+                  </a:ext>
+                </a:extLst>
+              </p:cNvPr>
+              <p:cNvSpPr/>
+              <p:nvPr/>
+            </p:nvSpPr>
+            <p:spPr>
+              <a:xfrm>
+                <a:off x="4442603" y="1388816"/>
+                <a:ext cx="888521" cy="500332"/>
+              </a:xfrm>
+              <a:prstGeom prst="roundRect">
+                <a:avLst/>
+              </a:prstGeom>
+              <a:noFill/>
+              <a:ln>
+                <a:solidFill>
+                  <a:schemeClr val="tx1"/>
+                </a:solidFill>
+              </a:ln>
+            </p:spPr>
+            <p:style>
+              <a:lnRef idx="2">
+                <a:schemeClr val="accent1">
+                  <a:shade val="50000"/>
+                </a:schemeClr>
+              </a:lnRef>
+              <a:fillRef idx="1">
+                <a:schemeClr val="accent1"/>
+              </a:fillRef>
+              <a:effectRef idx="0">
+                <a:schemeClr val="accent1"/>
+              </a:effectRef>
+              <a:fontRef idx="minor">
+                <a:schemeClr val="lt1"/>
+              </a:fontRef>
+            </p:style>
+            <p:txBody>
+              <a:bodyPr rtlCol="0" anchor="ctr"/>
+              <a:lstStyle/>
+              <a:p>
+                <a:pPr algn="ctr"/>
+                <a:r>
+                  <a:rPr lang="en-US" altLang="ko-KR" sz="1100" dirty="0">
+                    <a:solidFill>
+                      <a:schemeClr val="tx1"/>
+                    </a:solidFill>
+                  </a:rPr>
+                  <a:t>Load Balancer</a:t>
+                </a:r>
+                <a:endParaRPr lang="ko-KR" altLang="en-US" sz="1100" dirty="0">
+                  <a:solidFill>
+                    <a:schemeClr val="tx1"/>
+                  </a:solidFill>
+                </a:endParaRPr>
+              </a:p>
+            </p:txBody>
+          </p:sp>
+          <p:sp>
+            <p:nvSpPr>
+              <p:cNvPr id="31" name="사각형: 둥근 모서리 30">
+                <a:extLst>
+                  <a:ext uri="{FF2B5EF4-FFF2-40B4-BE49-F238E27FC236}">
+                    <a16:creationId xmlns:a16="http://schemas.microsoft.com/office/drawing/2014/main" id="{9410289F-74EC-4AEC-9C43-C9115FF782C2}"/>
+                  </a:ext>
+                </a:extLst>
+              </p:cNvPr>
+              <p:cNvSpPr/>
+              <p:nvPr/>
+            </p:nvSpPr>
+            <p:spPr>
+              <a:xfrm>
+                <a:off x="4927839" y="2126420"/>
+                <a:ext cx="983412" cy="500332"/>
+              </a:xfrm>
+              <a:prstGeom prst="roundRect">
+                <a:avLst/>
+              </a:prstGeom>
+              <a:noFill/>
+              <a:ln>
+                <a:solidFill>
+                  <a:schemeClr val="tx1"/>
+                </a:solidFill>
+              </a:ln>
+            </p:spPr>
+            <p:style>
+              <a:lnRef idx="2">
+                <a:schemeClr val="accent1">
+                  <a:shade val="50000"/>
+                </a:schemeClr>
+              </a:lnRef>
+              <a:fillRef idx="1">
+                <a:schemeClr val="accent1"/>
+              </a:fillRef>
+              <a:effectRef idx="0">
+                <a:schemeClr val="accent1"/>
+              </a:effectRef>
+              <a:fontRef idx="minor">
+                <a:schemeClr val="lt1"/>
+              </a:fontRef>
+            </p:style>
+            <p:txBody>
+              <a:bodyPr rtlCol="0" anchor="ctr"/>
+              <a:lstStyle/>
+              <a:p>
+                <a:pPr algn="ctr"/>
+                <a:r>
+                  <a:rPr lang="en-US" altLang="ko-KR" sz="1100" dirty="0">
+                    <a:solidFill>
+                      <a:schemeClr val="tx1"/>
+                    </a:solidFill>
+                  </a:rPr>
+                  <a:t>Application</a:t>
+                </a:r>
+                <a:endParaRPr lang="ko-KR" altLang="en-US" sz="1100" dirty="0">
+                  <a:solidFill>
+                    <a:schemeClr val="tx1"/>
+                  </a:solidFill>
+                </a:endParaRPr>
+              </a:p>
+            </p:txBody>
+          </p:sp>
+          <p:cxnSp>
+            <p:nvCxnSpPr>
+              <p:cNvPr id="32" name="직선 연결선 31">
+                <a:extLst>
+                  <a:ext uri="{FF2B5EF4-FFF2-40B4-BE49-F238E27FC236}">
+                    <a16:creationId xmlns:a16="http://schemas.microsoft.com/office/drawing/2014/main" id="{7590C5EF-706C-4EC4-848B-218B9E431F9A}"/>
+                  </a:ext>
+                </a:extLst>
+              </p:cNvPr>
+              <p:cNvCxnSpPr>
+                <a:stCxn id="30" idx="2"/>
+                <a:endCxn id="29" idx="0"/>
+              </p:cNvCxnSpPr>
+              <p:nvPr/>
+            </p:nvCxnSpPr>
+            <p:spPr>
+              <a:xfrm flipH="1">
+                <a:off x="4386532" y="1889148"/>
+                <a:ext cx="500332" cy="237272"/>
+              </a:xfrm>
+              <a:prstGeom prst="line">
+                <a:avLst/>
+              </a:prstGeom>
+              <a:ln>
+                <a:solidFill>
+                  <a:schemeClr val="tx1"/>
+                </a:solidFill>
+              </a:ln>
+            </p:spPr>
+            <p:style>
+              <a:lnRef idx="1">
+                <a:schemeClr val="accent1"/>
+              </a:lnRef>
+              <a:fillRef idx="0">
+                <a:schemeClr val="accent1"/>
+              </a:fillRef>
+              <a:effectRef idx="0">
+                <a:schemeClr val="accent1"/>
+              </a:effectRef>
+              <a:fontRef idx="minor">
+                <a:schemeClr val="tx1"/>
+              </a:fontRef>
+            </p:style>
+          </p:cxnSp>
+          <p:cxnSp>
+            <p:nvCxnSpPr>
+              <p:cNvPr id="33" name="직선 연결선 32">
+                <a:extLst>
+                  <a:ext uri="{FF2B5EF4-FFF2-40B4-BE49-F238E27FC236}">
+                    <a16:creationId xmlns:a16="http://schemas.microsoft.com/office/drawing/2014/main" id="{245AA554-6216-4FF8-8529-4C1F61E11EBC}"/>
+                  </a:ext>
+                </a:extLst>
+              </p:cNvPr>
+              <p:cNvCxnSpPr>
+                <a:stCxn id="30" idx="2"/>
+                <a:endCxn id="31" idx="0"/>
+              </p:cNvCxnSpPr>
+              <p:nvPr/>
+            </p:nvCxnSpPr>
+            <p:spPr>
+              <a:xfrm>
+                <a:off x="4886864" y="1889148"/>
+                <a:ext cx="532681" cy="237272"/>
+              </a:xfrm>
+              <a:prstGeom prst="line">
+                <a:avLst/>
+              </a:prstGeom>
+              <a:ln>
+                <a:solidFill>
+                  <a:schemeClr val="tx1"/>
+                </a:solidFill>
+              </a:ln>
+            </p:spPr>
+            <p:style>
+              <a:lnRef idx="1">
+                <a:schemeClr val="accent1"/>
+              </a:lnRef>
+              <a:fillRef idx="0">
+                <a:schemeClr val="accent1"/>
+              </a:fillRef>
+              <a:effectRef idx="0">
+                <a:schemeClr val="accent1"/>
+              </a:effectRef>
+              <a:fontRef idx="minor">
+                <a:schemeClr val="tx1"/>
+              </a:fontRef>
+            </p:style>
+          </p:cxnSp>
+        </p:grpSp>
+        <p:grpSp>
+          <p:nvGrpSpPr>
+            <p:cNvPr id="26" name="그룹 25">
+              <a:extLst>
+                <a:ext uri="{FF2B5EF4-FFF2-40B4-BE49-F238E27FC236}">
+                  <a16:creationId xmlns:a16="http://schemas.microsoft.com/office/drawing/2014/main" id="{165C9170-A7FD-4F49-861A-8594A90375E4}"/>
+                </a:ext>
+              </a:extLst>
+            </p:cNvPr>
+            <p:cNvGrpSpPr/>
+            <p:nvPr/>
+          </p:nvGrpSpPr>
+          <p:grpSpPr>
+            <a:xfrm>
+              <a:off x="3848820" y="1233586"/>
+              <a:ext cx="2216988" cy="1664845"/>
+              <a:chOff x="3778370" y="1052431"/>
+              <a:chExt cx="2216988" cy="1664845"/>
+            </a:xfrm>
+          </p:grpSpPr>
+          <p:sp>
+            <p:nvSpPr>
+              <p:cNvPr id="7" name="사각형: 둥근 모서리 6">
+                <a:extLst>
+                  <a:ext uri="{FF2B5EF4-FFF2-40B4-BE49-F238E27FC236}">
+                    <a16:creationId xmlns:a16="http://schemas.microsoft.com/office/drawing/2014/main" id="{CCD45141-8BBD-48B9-85BE-0A54EF340B96}"/>
+                  </a:ext>
+                </a:extLst>
+              </p:cNvPr>
+              <p:cNvSpPr/>
+              <p:nvPr/>
+            </p:nvSpPr>
+            <p:spPr>
+              <a:xfrm>
+                <a:off x="3778370" y="1052431"/>
+                <a:ext cx="2216988" cy="1664845"/>
+              </a:xfrm>
+              <a:prstGeom prst="roundRect">
+                <a:avLst/>
+              </a:prstGeom>
+              <a:solidFill>
+                <a:schemeClr val="bg1">
+                  <a:lumMod val="65000"/>
+                </a:schemeClr>
+              </a:solidFill>
+              <a:ln>
+                <a:solidFill>
+                  <a:schemeClr val="tx1"/>
+                </a:solidFill>
+              </a:ln>
+            </p:spPr>
+            <p:style>
+              <a:lnRef idx="2">
+                <a:schemeClr val="accent1">
+                  <a:shade val="50000"/>
+                </a:schemeClr>
+              </a:lnRef>
+              <a:fillRef idx="1">
+                <a:schemeClr val="accent1"/>
+              </a:fillRef>
+              <a:effectRef idx="0">
+                <a:schemeClr val="accent1"/>
+              </a:effectRef>
+              <a:fontRef idx="minor">
+                <a:schemeClr val="lt1"/>
+              </a:fontRef>
+            </p:style>
+            <p:txBody>
+              <a:bodyPr rtlCol="0" anchor="ctr"/>
+              <a:lstStyle/>
+              <a:p>
+                <a:pPr algn="ctr"/>
+                <a:r>
+                  <a:rPr lang="en-US" altLang="ko-KR" sz="1200" b="1" dirty="0">
+                    <a:solidFill>
+                      <a:schemeClr val="tx1"/>
+                    </a:solidFill>
+                  </a:rPr>
+                  <a:t>Server</a:t>
+                </a:r>
+              </a:p>
+              <a:p>
+                <a:pPr algn="ctr"/>
+                <a:endParaRPr lang="en-US" altLang="ko-KR" sz="1200" b="1" dirty="0">
+                  <a:solidFill>
+                    <a:schemeClr val="tx1"/>
+                  </a:solidFill>
+                </a:endParaRPr>
+              </a:p>
+              <a:p>
+                <a:pPr algn="ctr"/>
+                <a:endParaRPr lang="en-US" altLang="ko-KR" sz="1200" b="1" dirty="0">
+                  <a:solidFill>
+                    <a:schemeClr val="tx1"/>
+                  </a:solidFill>
+                </a:endParaRPr>
+              </a:p>
+              <a:p>
+                <a:pPr algn="ctr"/>
+                <a:endParaRPr lang="en-US" altLang="ko-KR" sz="1100" dirty="0"/>
+              </a:p>
+              <a:p>
+                <a:pPr algn="ctr"/>
+                <a:endParaRPr lang="en-US" altLang="ko-KR" sz="1100" dirty="0"/>
+              </a:p>
+              <a:p>
+                <a:pPr algn="ctr"/>
+                <a:endParaRPr lang="en-US" altLang="ko-KR" sz="1100" dirty="0"/>
+              </a:p>
+              <a:p>
+                <a:pPr algn="ctr"/>
+                <a:endParaRPr lang="en-US" altLang="ko-KR" sz="1100" dirty="0"/>
+              </a:p>
+              <a:p>
+                <a:pPr algn="ctr"/>
+                <a:endParaRPr lang="en-US" altLang="ko-KR" sz="1100" dirty="0"/>
+              </a:p>
+              <a:p>
+                <a:pPr algn="ctr"/>
+                <a:endParaRPr lang="en-US" altLang="ko-KR" sz="1100" dirty="0"/>
+              </a:p>
+            </p:txBody>
+          </p:sp>
+          <p:sp>
+            <p:nvSpPr>
+              <p:cNvPr id="4" name="사각형: 둥근 모서리 3">
+                <a:extLst>
+                  <a:ext uri="{FF2B5EF4-FFF2-40B4-BE49-F238E27FC236}">
+                    <a16:creationId xmlns:a16="http://schemas.microsoft.com/office/drawing/2014/main" id="{FF2D129B-8F37-495B-84CF-FB00EA34A2ED}"/>
+                  </a:ext>
+                </a:extLst>
+              </p:cNvPr>
+              <p:cNvSpPr/>
+              <p:nvPr/>
+            </p:nvSpPr>
+            <p:spPr>
+              <a:xfrm>
+                <a:off x="3894826" y="2126420"/>
+                <a:ext cx="983412" cy="500332"/>
+              </a:xfrm>
+              <a:prstGeom prst="roundRect">
+                <a:avLst/>
+              </a:prstGeom>
+              <a:noFill/>
+              <a:ln>
+                <a:solidFill>
+                  <a:schemeClr val="tx1"/>
+                </a:solidFill>
+              </a:ln>
+            </p:spPr>
+            <p:style>
+              <a:lnRef idx="2">
+                <a:schemeClr val="accent1">
+                  <a:shade val="50000"/>
+                </a:schemeClr>
+              </a:lnRef>
+              <a:fillRef idx="1">
+                <a:schemeClr val="accent1"/>
+              </a:fillRef>
+              <a:effectRef idx="0">
+                <a:schemeClr val="accent1"/>
+              </a:effectRef>
+              <a:fontRef idx="minor">
+                <a:schemeClr val="lt1"/>
+              </a:fontRef>
+            </p:style>
+            <p:txBody>
+              <a:bodyPr rtlCol="0" anchor="ctr"/>
+              <a:lstStyle/>
+              <a:p>
+                <a:pPr algn="ctr"/>
+                <a:r>
+                  <a:rPr lang="en-US" altLang="ko-KR" sz="1100" dirty="0">
+                    <a:solidFill>
+                      <a:schemeClr val="tx1"/>
+                    </a:solidFill>
+                  </a:rPr>
+                  <a:t>Application</a:t>
+                </a:r>
+                <a:endParaRPr lang="ko-KR" altLang="en-US" sz="1100" dirty="0">
+                  <a:solidFill>
+                    <a:schemeClr val="tx1"/>
+                  </a:solidFill>
+                </a:endParaRPr>
+              </a:p>
+            </p:txBody>
+          </p:sp>
+          <p:sp>
+            <p:nvSpPr>
+              <p:cNvPr id="15" name="사각형: 둥근 모서리 14">
+                <a:extLst>
+                  <a:ext uri="{FF2B5EF4-FFF2-40B4-BE49-F238E27FC236}">
+                    <a16:creationId xmlns:a16="http://schemas.microsoft.com/office/drawing/2014/main" id="{81CBFDED-6F91-4E6E-88BE-3E3BD5321C0A}"/>
+                  </a:ext>
+                </a:extLst>
+              </p:cNvPr>
+              <p:cNvSpPr/>
+              <p:nvPr/>
+            </p:nvSpPr>
+            <p:spPr>
+              <a:xfrm>
+                <a:off x="4442603" y="1388816"/>
+                <a:ext cx="888521" cy="500332"/>
+              </a:xfrm>
+              <a:prstGeom prst="roundRect">
+                <a:avLst/>
+              </a:prstGeom>
+              <a:noFill/>
+              <a:ln>
+                <a:solidFill>
+                  <a:schemeClr val="tx1"/>
+                </a:solidFill>
+              </a:ln>
+            </p:spPr>
+            <p:style>
+              <a:lnRef idx="2">
+                <a:schemeClr val="accent1">
+                  <a:shade val="50000"/>
+                </a:schemeClr>
+              </a:lnRef>
+              <a:fillRef idx="1">
+                <a:schemeClr val="accent1"/>
+              </a:fillRef>
+              <a:effectRef idx="0">
+                <a:schemeClr val="accent1"/>
+              </a:effectRef>
+              <a:fontRef idx="minor">
+                <a:schemeClr val="lt1"/>
+              </a:fontRef>
+            </p:style>
+            <p:txBody>
+              <a:bodyPr rtlCol="0" anchor="ctr"/>
+              <a:lstStyle/>
+              <a:p>
+                <a:pPr algn="ctr"/>
+                <a:r>
+                  <a:rPr lang="en-US" altLang="ko-KR" sz="1100" dirty="0">
+                    <a:solidFill>
+                      <a:schemeClr val="tx1"/>
+                    </a:solidFill>
+                  </a:rPr>
+                  <a:t>Load Balancer</a:t>
+                </a:r>
+                <a:endParaRPr lang="ko-KR" altLang="en-US" sz="1100" dirty="0">
+                  <a:solidFill>
+                    <a:schemeClr val="tx1"/>
+                  </a:solidFill>
+                </a:endParaRPr>
+              </a:p>
+            </p:txBody>
+          </p:sp>
+          <p:sp>
+            <p:nvSpPr>
+              <p:cNvPr id="17" name="사각형: 둥근 모서리 16">
+                <a:extLst>
+                  <a:ext uri="{FF2B5EF4-FFF2-40B4-BE49-F238E27FC236}">
+                    <a16:creationId xmlns:a16="http://schemas.microsoft.com/office/drawing/2014/main" id="{95C16957-7187-42CF-8E7F-897D80E7B4CC}"/>
+                  </a:ext>
+                </a:extLst>
+              </p:cNvPr>
+              <p:cNvSpPr/>
+              <p:nvPr/>
+            </p:nvSpPr>
+            <p:spPr>
+              <a:xfrm>
+                <a:off x="4927839" y="2126420"/>
+                <a:ext cx="983412" cy="500332"/>
+              </a:xfrm>
+              <a:prstGeom prst="roundRect">
+                <a:avLst/>
+              </a:prstGeom>
+              <a:noFill/>
+              <a:ln>
+                <a:solidFill>
+                  <a:schemeClr val="tx1"/>
+                </a:solidFill>
+              </a:ln>
+            </p:spPr>
+            <p:style>
+              <a:lnRef idx="2">
+                <a:schemeClr val="accent1">
+                  <a:shade val="50000"/>
+                </a:schemeClr>
+              </a:lnRef>
+              <a:fillRef idx="1">
+                <a:schemeClr val="accent1"/>
+              </a:fillRef>
+              <a:effectRef idx="0">
+                <a:schemeClr val="accent1"/>
+              </a:effectRef>
+              <a:fontRef idx="minor">
+                <a:schemeClr val="lt1"/>
+              </a:fontRef>
+            </p:style>
+            <p:txBody>
+              <a:bodyPr rtlCol="0" anchor="ctr"/>
+              <a:lstStyle/>
+              <a:p>
+                <a:pPr algn="ctr"/>
+                <a:r>
+                  <a:rPr lang="en-US" altLang="ko-KR" sz="1100" dirty="0">
+                    <a:solidFill>
+                      <a:schemeClr val="tx1"/>
+                    </a:solidFill>
+                  </a:rPr>
+                  <a:t>Application</a:t>
+                </a:r>
+                <a:endParaRPr lang="ko-KR" altLang="en-US" sz="1100" dirty="0">
+                  <a:solidFill>
+                    <a:schemeClr val="tx1"/>
+                  </a:solidFill>
+                </a:endParaRPr>
+              </a:p>
+            </p:txBody>
+          </p:sp>
+          <p:cxnSp>
+            <p:nvCxnSpPr>
+              <p:cNvPr id="19" name="직선 연결선 18">
+                <a:extLst>
+                  <a:ext uri="{FF2B5EF4-FFF2-40B4-BE49-F238E27FC236}">
+                    <a16:creationId xmlns:a16="http://schemas.microsoft.com/office/drawing/2014/main" id="{B814FEA3-F8F8-4B7B-839E-1FE5D491C92E}"/>
+                  </a:ext>
+                </a:extLst>
+              </p:cNvPr>
+              <p:cNvCxnSpPr>
+                <a:stCxn id="15" idx="2"/>
+                <a:endCxn id="4" idx="0"/>
+              </p:cNvCxnSpPr>
+              <p:nvPr/>
+            </p:nvCxnSpPr>
+            <p:spPr>
+              <a:xfrm flipH="1">
+                <a:off x="4386532" y="1889148"/>
+                <a:ext cx="500332" cy="237272"/>
+              </a:xfrm>
+              <a:prstGeom prst="line">
+                <a:avLst/>
+              </a:prstGeom>
+              <a:ln>
+                <a:solidFill>
+                  <a:schemeClr val="tx1"/>
+                </a:solidFill>
+              </a:ln>
+            </p:spPr>
+            <p:style>
+              <a:lnRef idx="1">
+                <a:schemeClr val="accent1"/>
+              </a:lnRef>
+              <a:fillRef idx="0">
+                <a:schemeClr val="accent1"/>
+              </a:fillRef>
+              <a:effectRef idx="0">
+                <a:schemeClr val="accent1"/>
+              </a:effectRef>
+              <a:fontRef idx="minor">
+                <a:schemeClr val="tx1"/>
+              </a:fontRef>
+            </p:style>
+          </p:cxnSp>
+          <p:cxnSp>
+            <p:nvCxnSpPr>
+              <p:cNvPr id="23" name="직선 연결선 22">
+                <a:extLst>
+                  <a:ext uri="{FF2B5EF4-FFF2-40B4-BE49-F238E27FC236}">
+                    <a16:creationId xmlns:a16="http://schemas.microsoft.com/office/drawing/2014/main" id="{3283D4D6-46D8-426D-B382-718D863D0405}"/>
+                  </a:ext>
+                </a:extLst>
+              </p:cNvPr>
+              <p:cNvCxnSpPr>
+                <a:stCxn id="15" idx="2"/>
+                <a:endCxn id="17" idx="0"/>
+              </p:cNvCxnSpPr>
+              <p:nvPr/>
+            </p:nvCxnSpPr>
+            <p:spPr>
+              <a:xfrm>
+                <a:off x="4886864" y="1889148"/>
+                <a:ext cx="532681" cy="237272"/>
+              </a:xfrm>
+              <a:prstGeom prst="line">
+                <a:avLst/>
+              </a:prstGeom>
+              <a:ln>
+                <a:solidFill>
+                  <a:schemeClr val="tx1"/>
+                </a:solidFill>
+              </a:ln>
+            </p:spPr>
+            <p:style>
+              <a:lnRef idx="1">
+                <a:schemeClr val="accent1"/>
+              </a:lnRef>
+              <a:fillRef idx="0">
+                <a:schemeClr val="accent1"/>
+              </a:fillRef>
+              <a:effectRef idx="0">
+                <a:schemeClr val="accent1"/>
+              </a:effectRef>
+              <a:fontRef idx="minor">
+                <a:schemeClr val="tx1"/>
+              </a:fontRef>
+            </p:style>
+          </p:cxnSp>
+        </p:grpSp>
+      </p:grpSp>
+    </p:spTree>
+    <p:extLst>
+      <p:ext uri="{BB962C8B-B14F-4D97-AF65-F5344CB8AC3E}">
+        <p14:creationId xmlns:p14="http://schemas.microsoft.com/office/powerpoint/2010/main" val="678383635"/>
+      </p:ext>
+    </p:extLst>
+  </p:cSld>
+  <p:clrMapOvr>
+    <a:masterClrMapping/>
+  </p:clrMapOvr>
+</p:sld>
+</file>
+
 <file path=ppt/theme/theme1.xml><?xml version="1.0" encoding="utf-8"?>
 <a:theme xmlns:a="http://schemas.openxmlformats.org/drawingml/2006/main" name="Office 테마">
   <a:themeElements>
